--- a/src/main/resources/ERD.pptx
+++ b/src/main/resources/ERD.pptx
@@ -259,7 +259,7 @@
           <a:p>
             <a:fld id="{5C6C09C2-E092-4144-882C-C63DAB5D4ADB}" type="datetimeFigureOut">
               <a:rPr lang="ko-KR" altLang="en-US" smtClean="0"/>
-              <a:t>2025-12-09</a:t>
+              <a:t>2025-12-11</a:t>
             </a:fld>
             <a:endParaRPr lang="ko-KR" altLang="en-US"/>
           </a:p>
@@ -457,7 +457,7 @@
           <a:p>
             <a:fld id="{5C6C09C2-E092-4144-882C-C63DAB5D4ADB}" type="datetimeFigureOut">
               <a:rPr lang="ko-KR" altLang="en-US" smtClean="0"/>
-              <a:t>2025-12-09</a:t>
+              <a:t>2025-12-11</a:t>
             </a:fld>
             <a:endParaRPr lang="ko-KR" altLang="en-US"/>
           </a:p>
@@ -665,7 +665,7 @@
           <a:p>
             <a:fld id="{5C6C09C2-E092-4144-882C-C63DAB5D4ADB}" type="datetimeFigureOut">
               <a:rPr lang="ko-KR" altLang="en-US" smtClean="0"/>
-              <a:t>2025-12-09</a:t>
+              <a:t>2025-12-11</a:t>
             </a:fld>
             <a:endParaRPr lang="ko-KR" altLang="en-US"/>
           </a:p>
@@ -863,7 +863,7 @@
           <a:p>
             <a:fld id="{5C6C09C2-E092-4144-882C-C63DAB5D4ADB}" type="datetimeFigureOut">
               <a:rPr lang="ko-KR" altLang="en-US" smtClean="0"/>
-              <a:t>2025-12-09</a:t>
+              <a:t>2025-12-11</a:t>
             </a:fld>
             <a:endParaRPr lang="ko-KR" altLang="en-US"/>
           </a:p>
@@ -1138,7 +1138,7 @@
           <a:p>
             <a:fld id="{5C6C09C2-E092-4144-882C-C63DAB5D4ADB}" type="datetimeFigureOut">
               <a:rPr lang="ko-KR" altLang="en-US" smtClean="0"/>
-              <a:t>2025-12-09</a:t>
+              <a:t>2025-12-11</a:t>
             </a:fld>
             <a:endParaRPr lang="ko-KR" altLang="en-US"/>
           </a:p>
@@ -1403,7 +1403,7 @@
           <a:p>
             <a:fld id="{5C6C09C2-E092-4144-882C-C63DAB5D4ADB}" type="datetimeFigureOut">
               <a:rPr lang="ko-KR" altLang="en-US" smtClean="0"/>
-              <a:t>2025-12-09</a:t>
+              <a:t>2025-12-11</a:t>
             </a:fld>
             <a:endParaRPr lang="ko-KR" altLang="en-US"/>
           </a:p>
@@ -1815,7 +1815,7 @@
           <a:p>
             <a:fld id="{5C6C09C2-E092-4144-882C-C63DAB5D4ADB}" type="datetimeFigureOut">
               <a:rPr lang="ko-KR" altLang="en-US" smtClean="0"/>
-              <a:t>2025-12-09</a:t>
+              <a:t>2025-12-11</a:t>
             </a:fld>
             <a:endParaRPr lang="ko-KR" altLang="en-US"/>
           </a:p>
@@ -1956,7 +1956,7 @@
           <a:p>
             <a:fld id="{5C6C09C2-E092-4144-882C-C63DAB5D4ADB}" type="datetimeFigureOut">
               <a:rPr lang="ko-KR" altLang="en-US" smtClean="0"/>
-              <a:t>2025-12-09</a:t>
+              <a:t>2025-12-11</a:t>
             </a:fld>
             <a:endParaRPr lang="ko-KR" altLang="en-US"/>
           </a:p>
@@ -2069,7 +2069,7 @@
           <a:p>
             <a:fld id="{5C6C09C2-E092-4144-882C-C63DAB5D4ADB}" type="datetimeFigureOut">
               <a:rPr lang="ko-KR" altLang="en-US" smtClean="0"/>
-              <a:t>2025-12-09</a:t>
+              <a:t>2025-12-11</a:t>
             </a:fld>
             <a:endParaRPr lang="ko-KR" altLang="en-US"/>
           </a:p>
@@ -2380,7 +2380,7 @@
           <a:p>
             <a:fld id="{5C6C09C2-E092-4144-882C-C63DAB5D4ADB}" type="datetimeFigureOut">
               <a:rPr lang="ko-KR" altLang="en-US" smtClean="0"/>
-              <a:t>2025-12-09</a:t>
+              <a:t>2025-12-11</a:t>
             </a:fld>
             <a:endParaRPr lang="ko-KR" altLang="en-US"/>
           </a:p>
@@ -2668,7 +2668,7 @@
           <a:p>
             <a:fld id="{5C6C09C2-E092-4144-882C-C63DAB5D4ADB}" type="datetimeFigureOut">
               <a:rPr lang="ko-KR" altLang="en-US" smtClean="0"/>
-              <a:t>2025-12-09</a:t>
+              <a:t>2025-12-11</a:t>
             </a:fld>
             <a:endParaRPr lang="ko-KR" altLang="en-US"/>
           </a:p>
@@ -2909,7 +2909,7 @@
           <a:p>
             <a:fld id="{5C6C09C2-E092-4144-882C-C63DAB5D4ADB}" type="datetimeFigureOut">
               <a:rPr lang="ko-KR" altLang="en-US" smtClean="0"/>
-              <a:t>2025-12-09</a:t>
+              <a:t>2025-12-11</a:t>
             </a:fld>
             <a:endParaRPr lang="ko-KR" altLang="en-US"/>
           </a:p>
@@ -3479,7 +3479,13 @@
             </a:r>
             <a:r>
               <a:rPr lang="en-US" altLang="ko-KR" b="1" dirty="0"/>
-              <a:t> (FK → </a:t>
+              <a:t> </a:t>
+            </a:r>
+          </a:p>
+          <a:p>
+            <a:r>
+              <a:rPr lang="en-US" altLang="ko-KR" b="1" dirty="0"/>
+              <a:t>(FK → </a:t>
             </a:r>
             <a:r>
               <a:rPr lang="en-US" altLang="ko-KR" b="1" dirty="0" err="1"/>
@@ -3600,8 +3606,8 @@
         </p:nvSpPr>
         <p:spPr>
           <a:xfrm>
-            <a:off x="8416954" y="568354"/>
-            <a:ext cx="3171038" cy="5721292"/>
+            <a:off x="8416954" y="1544622"/>
+            <a:ext cx="3171038" cy="3768754"/>
           </a:xfrm>
           <a:prstGeom prst="rect">
             <a:avLst/>
@@ -3652,7 +3658,13 @@
             </a:r>
             <a:r>
               <a:rPr lang="en-US" altLang="ko-KR" b="1" dirty="0"/>
-              <a:t> (FK → </a:t>
+              <a:t> </a:t>
+            </a:r>
+          </a:p>
+          <a:p>
+            <a:r>
+              <a:rPr lang="en-US" altLang="ko-KR" b="1" dirty="0"/>
+              <a:t>(FK → </a:t>
             </a:r>
             <a:r>
               <a:rPr lang="en-US" altLang="ko-KR" b="1" dirty="0" err="1"/>
@@ -3767,9 +3779,9 @@
           <p:nvPr/>
         </p:nvCxnSpPr>
         <p:spPr>
-          <a:xfrm>
-            <a:off x="7534712" y="3429000"/>
-            <a:ext cx="882242" cy="0"/>
+          <a:xfrm flipV="1">
+            <a:off x="7534712" y="3428999"/>
+            <a:ext cx="882242" cy="1"/>
           </a:xfrm>
           <a:prstGeom prst="straightConnector1">
             <a:avLst/>
